--- a/ChineseTraditionalMusicKnowledgeBase/NLQ2SPARQLworkflow/assembledSubgraphOfOntology_forQuestion_Instrument_Place_Instrument&recommendation.pptx
+++ b/ChineseTraditionalMusicKnowledgeBase/NLQ2SPARQLworkflow/assembledSubgraphOfOntology_forQuestion_Instrument_Place_Instrument&recommendation.pptx
@@ -3759,7 +3759,7 @@
         <p:spPr>
           <a:xfrm>
             <a:off x="2701925" y="2197100"/>
-            <a:ext cx="1196975" cy="337185"/>
+            <a:ext cx="1097280" cy="337185"/>
           </a:xfrm>
           <a:prstGeom prst="rect">
             <a:avLst/>
@@ -3779,7 +3779,7 @@
                   </a:schemeClr>
                 </a:solidFill>
               </a:rPr>
-              <a:t>geonames:alternameName</a:t>
+              <a:t>geonames:alternateName</a:t>
             </a:r>
             <a:endParaRPr lang="en-US" sz="800">
               <a:solidFill>
@@ -4419,6 +4419,60 @@
                 </a:schemeClr>
               </a:solidFill>
             </a:endParaRPr>
+          </a:p>
+        </p:txBody>
+      </p:sp>
+      <p:sp>
+        <p:nvSpPr>
+          <p:cNvPr id="22" name="Oval 21"/>
+          <p:cNvSpPr/>
+          <p:nvPr/>
+        </p:nvSpPr>
+        <p:spPr>
+          <a:xfrm rot="720000">
+            <a:off x="2222500" y="3234055"/>
+            <a:ext cx="2535555" cy="1492885"/>
+          </a:xfrm>
+          <a:prstGeom prst="ellipse">
+            <a:avLst/>
+          </a:prstGeom>
+          <a:solidFill>
+            <a:schemeClr val="accent6">
+              <a:lumMod val="20000"/>
+              <a:lumOff val="80000"/>
+              <a:alpha val="30000"/>
+            </a:schemeClr>
+          </a:solidFill>
+          <a:ln>
+            <a:solidFill>
+              <a:schemeClr val="accent6">
+                <a:lumMod val="20000"/>
+                <a:lumOff val="80000"/>
+              </a:schemeClr>
+            </a:solidFill>
+          </a:ln>
+        </p:spPr>
+        <p:style>
+          <a:lnRef idx="2">
+            <a:schemeClr val="accent1">
+              <a:lumMod val="75000"/>
+            </a:schemeClr>
+          </a:lnRef>
+          <a:fillRef idx="1">
+            <a:schemeClr val="accent1"/>
+          </a:fillRef>
+          <a:effectRef idx="0">
+            <a:srgbClr val="FFFFFF"/>
+          </a:effectRef>
+          <a:fontRef idx="minor">
+            <a:schemeClr val="lt1"/>
+          </a:fontRef>
+        </p:style>
+        <p:txBody>
+          <a:bodyPr rtlCol="0" anchor="ctr"/>
+          <a:p>
+            <a:pPr algn="ctr"/>
+            <a:endParaRPr lang="en-US"/>
           </a:p>
         </p:txBody>
       </p:sp>
